--- a/Final Presentation.pptx
+++ b/Final Presentation.pptx
@@ -8817,10 +8817,26 @@
             <a:pPr algn="ctr"/>
             <a:r>
               <a:rPr lang="en-US" sz="2000" dirty="0">
+                <a:solidFill>
+                  <a:schemeClr val="bg1"/>
+                </a:solidFill>
                 <a:latin typeface="Comic Sans MS" panose="030F0702030302020204" pitchFamily="66" charset="0"/>
+                <a:hlinkClick r:id="rId2">
+                  <a:extLst>
+                    <a:ext uri="{A12FA001-AC4F-418D-AE19-62706E023703}">
+                      <ahyp:hlinkClr xmlns:ahyp="http://schemas.microsoft.com/office/drawing/2018/hyperlinkcolor" val="tx"/>
+                    </a:ext>
+                  </a:extLst>
+                </a:hlinkClick>
               </a:rPr>
               <a:t>Token Issuance only by Central Bank</a:t>
             </a:r>
+            <a:endParaRPr lang="en-US" sz="2000" dirty="0">
+              <a:solidFill>
+                <a:schemeClr val="bg1"/>
+              </a:solidFill>
+              <a:latin typeface="Comic Sans MS" panose="030F0702030302020204" pitchFamily="66" charset="0"/>
+            </a:endParaRPr>
           </a:p>
         </p:txBody>
       </p:sp>
@@ -8956,7 +8972,7 @@
           <p:nvPr/>
         </p:nvPicPr>
         <p:blipFill>
-          <a:blip r:embed="rId2">
+          <a:blip r:embed="rId3">
             <a:extLst>
               <a:ext uri="{28A0092B-C50C-407E-A947-70E740481C1C}">
                 <a14:useLocalDpi xmlns:a14="http://schemas.microsoft.com/office/drawing/2010/main" val="0"/>
@@ -8992,7 +9008,7 @@
           <p:nvPr/>
         </p:nvPicPr>
         <p:blipFill>
-          <a:blip r:embed="rId3">
+          <a:blip r:embed="rId4">
             <a:extLst>
               <a:ext uri="{28A0092B-C50C-407E-A947-70E740481C1C}">
                 <a14:useLocalDpi xmlns:a14="http://schemas.microsoft.com/office/drawing/2010/main" val="0"/>
@@ -9215,7 +9231,7 @@
             </a:r>
             <a:r>
               <a:rPr lang="en-US" dirty="0">
-                <a:hlinkClick r:id="rId4"/>
+                <a:hlinkClick r:id="rId5"/>
               </a:rPr>
               <a:t>https://github.com/arafMustavi/Inter-Stellar</a:t>
             </a:r>
@@ -9238,7 +9254,7 @@
           <p:nvPr/>
         </p:nvPicPr>
         <p:blipFill>
-          <a:blip r:embed="rId3">
+          <a:blip r:embed="rId4">
             <a:extLst>
               <a:ext uri="{28A0092B-C50C-407E-A947-70E740481C1C}">
                 <a14:useLocalDpi xmlns:a14="http://schemas.microsoft.com/office/drawing/2010/main" val="0"/>
